--- a/powerpoint/7_Conda.pptx
+++ b/powerpoint/7_Conda.pptx
@@ -279,7 +279,7 @@
           <a:p>
             <a:fld id="{B1339DB0-78C2-4D45-927F-4D346157740C}" type="datetimeFigureOut">
               <a:rPr lang="en-GB" smtClean="0"/>
-              <a:t>05/10/2020</a:t>
+              <a:t>10/03/2022</a:t>
             </a:fld>
             <a:endParaRPr lang="en-GB"/>
           </a:p>
@@ -479,7 +479,7 @@
           <a:p>
             <a:fld id="{B1339DB0-78C2-4D45-927F-4D346157740C}" type="datetimeFigureOut">
               <a:rPr lang="en-GB" smtClean="0"/>
-              <a:t>05/10/2020</a:t>
+              <a:t>10/03/2022</a:t>
             </a:fld>
             <a:endParaRPr lang="en-GB"/>
           </a:p>
@@ -689,7 +689,7 @@
           <a:p>
             <a:fld id="{B1339DB0-78C2-4D45-927F-4D346157740C}" type="datetimeFigureOut">
               <a:rPr lang="en-GB" smtClean="0"/>
-              <a:t>05/10/2020</a:t>
+              <a:t>10/03/2022</a:t>
             </a:fld>
             <a:endParaRPr lang="en-GB"/>
           </a:p>
@@ -889,7 +889,7 @@
           <a:p>
             <a:fld id="{B1339DB0-78C2-4D45-927F-4D346157740C}" type="datetimeFigureOut">
               <a:rPr lang="en-GB" smtClean="0"/>
-              <a:t>05/10/2020</a:t>
+              <a:t>10/03/2022</a:t>
             </a:fld>
             <a:endParaRPr lang="en-GB"/>
           </a:p>
@@ -1165,7 +1165,7 @@
           <a:p>
             <a:fld id="{B1339DB0-78C2-4D45-927F-4D346157740C}" type="datetimeFigureOut">
               <a:rPr lang="en-GB" smtClean="0"/>
-              <a:t>05/10/2020</a:t>
+              <a:t>10/03/2022</a:t>
             </a:fld>
             <a:endParaRPr lang="en-GB"/>
           </a:p>
@@ -1433,7 +1433,7 @@
           <a:p>
             <a:fld id="{B1339DB0-78C2-4D45-927F-4D346157740C}" type="datetimeFigureOut">
               <a:rPr lang="en-GB" smtClean="0"/>
-              <a:t>05/10/2020</a:t>
+              <a:t>10/03/2022</a:t>
             </a:fld>
             <a:endParaRPr lang="en-GB"/>
           </a:p>
@@ -1848,7 +1848,7 @@
           <a:p>
             <a:fld id="{B1339DB0-78C2-4D45-927F-4D346157740C}" type="datetimeFigureOut">
               <a:rPr lang="en-GB" smtClean="0"/>
-              <a:t>05/10/2020</a:t>
+              <a:t>10/03/2022</a:t>
             </a:fld>
             <a:endParaRPr lang="en-GB"/>
           </a:p>
@@ -1990,7 +1990,7 @@
           <a:p>
             <a:fld id="{B1339DB0-78C2-4D45-927F-4D346157740C}" type="datetimeFigureOut">
               <a:rPr lang="en-GB" smtClean="0"/>
-              <a:t>05/10/2020</a:t>
+              <a:t>10/03/2022</a:t>
             </a:fld>
             <a:endParaRPr lang="en-GB"/>
           </a:p>
@@ -2103,7 +2103,7 @@
           <a:p>
             <a:fld id="{B1339DB0-78C2-4D45-927F-4D346157740C}" type="datetimeFigureOut">
               <a:rPr lang="en-GB" smtClean="0"/>
-              <a:t>05/10/2020</a:t>
+              <a:t>10/03/2022</a:t>
             </a:fld>
             <a:endParaRPr lang="en-GB"/>
           </a:p>
@@ -2416,7 +2416,7 @@
           <a:p>
             <a:fld id="{B1339DB0-78C2-4D45-927F-4D346157740C}" type="datetimeFigureOut">
               <a:rPr lang="en-GB" smtClean="0"/>
-              <a:t>05/10/2020</a:t>
+              <a:t>10/03/2022</a:t>
             </a:fld>
             <a:endParaRPr lang="en-GB"/>
           </a:p>
@@ -2705,7 +2705,7 @@
           <a:p>
             <a:fld id="{B1339DB0-78C2-4D45-927F-4D346157740C}" type="datetimeFigureOut">
               <a:rPr lang="en-GB" smtClean="0"/>
-              <a:t>05/10/2020</a:t>
+              <a:t>10/03/2022</a:t>
             </a:fld>
             <a:endParaRPr lang="en-GB"/>
           </a:p>
@@ -2948,7 +2948,7 @@
           <a:p>
             <a:fld id="{B1339DB0-78C2-4D45-927F-4D346157740C}" type="datetimeFigureOut">
               <a:rPr lang="en-GB" smtClean="0"/>
-              <a:t>05/10/2020</a:t>
+              <a:t>10/03/2022</a:t>
             </a:fld>
             <a:endParaRPr lang="en-GB"/>
           </a:p>
@@ -6839,7 +6839,15 @@
             </a:r>
             <a:r>
               <a:rPr lang="en-GB" dirty="0"/>
-              <a:t> 6 to Redhat7, which needs doing!!! These will break.  </a:t>
+              <a:t> 6 </a:t>
+            </a:r>
+            <a:r>
+              <a:rPr lang="en-GB"/>
+              <a:t>to Redhat8, </a:t>
+            </a:r>
+            <a:r>
+              <a:rPr lang="en-GB" dirty="0"/>
+              <a:t>which needs doing!!! These will break.  </a:t>
             </a:r>
           </a:p>
           <a:p>

--- a/powerpoint/7_Conda.pptx
+++ b/powerpoint/7_Conda.pptx
@@ -7,19 +7,19 @@
   <p:sldIdLst>
     <p:sldId id="277" r:id="rId2"/>
     <p:sldId id="330" r:id="rId3"/>
-    <p:sldId id="329" r:id="rId4"/>
-    <p:sldId id="291" r:id="rId5"/>
-    <p:sldId id="333" r:id="rId6"/>
-    <p:sldId id="292" r:id="rId7"/>
-    <p:sldId id="293" r:id="rId8"/>
-    <p:sldId id="294" r:id="rId9"/>
-    <p:sldId id="295" r:id="rId10"/>
-    <p:sldId id="296" r:id="rId11"/>
-    <p:sldId id="332" r:id="rId12"/>
-    <p:sldId id="298" r:id="rId13"/>
-    <p:sldId id="299" r:id="rId14"/>
-    <p:sldId id="297" r:id="rId15"/>
-    <p:sldId id="334" r:id="rId16"/>
+    <p:sldId id="291" r:id="rId4"/>
+    <p:sldId id="333" r:id="rId5"/>
+    <p:sldId id="292" r:id="rId6"/>
+    <p:sldId id="293" r:id="rId7"/>
+    <p:sldId id="294" r:id="rId8"/>
+    <p:sldId id="295" r:id="rId9"/>
+    <p:sldId id="296" r:id="rId10"/>
+    <p:sldId id="332" r:id="rId11"/>
+    <p:sldId id="298" r:id="rId12"/>
+    <p:sldId id="299" r:id="rId13"/>
+    <p:sldId id="297" r:id="rId14"/>
+    <p:sldId id="334" r:id="rId15"/>
+    <p:sldId id="336" r:id="rId16"/>
     <p:sldId id="335" r:id="rId17"/>
     <p:sldId id="331" r:id="rId18"/>
     <p:sldId id="328" r:id="rId19"/>
@@ -279,7 +279,7 @@
           <a:p>
             <a:fld id="{B1339DB0-78C2-4D45-927F-4D346157740C}" type="datetimeFigureOut">
               <a:rPr lang="en-GB" smtClean="0"/>
-              <a:t>10/03/2022</a:t>
+              <a:t>08/02/2023</a:t>
             </a:fld>
             <a:endParaRPr lang="en-GB"/>
           </a:p>
@@ -479,7 +479,7 @@
           <a:p>
             <a:fld id="{B1339DB0-78C2-4D45-927F-4D346157740C}" type="datetimeFigureOut">
               <a:rPr lang="en-GB" smtClean="0"/>
-              <a:t>10/03/2022</a:t>
+              <a:t>08/02/2023</a:t>
             </a:fld>
             <a:endParaRPr lang="en-GB"/>
           </a:p>
@@ -689,7 +689,7 @@
           <a:p>
             <a:fld id="{B1339DB0-78C2-4D45-927F-4D346157740C}" type="datetimeFigureOut">
               <a:rPr lang="en-GB" smtClean="0"/>
-              <a:t>10/03/2022</a:t>
+              <a:t>08/02/2023</a:t>
             </a:fld>
             <a:endParaRPr lang="en-GB"/>
           </a:p>
@@ -889,7 +889,7 @@
           <a:p>
             <a:fld id="{B1339DB0-78C2-4D45-927F-4D346157740C}" type="datetimeFigureOut">
               <a:rPr lang="en-GB" smtClean="0"/>
-              <a:t>10/03/2022</a:t>
+              <a:t>08/02/2023</a:t>
             </a:fld>
             <a:endParaRPr lang="en-GB"/>
           </a:p>
@@ -1165,7 +1165,7 @@
           <a:p>
             <a:fld id="{B1339DB0-78C2-4D45-927F-4D346157740C}" type="datetimeFigureOut">
               <a:rPr lang="en-GB" smtClean="0"/>
-              <a:t>10/03/2022</a:t>
+              <a:t>08/02/2023</a:t>
             </a:fld>
             <a:endParaRPr lang="en-GB"/>
           </a:p>
@@ -1433,7 +1433,7 @@
           <a:p>
             <a:fld id="{B1339DB0-78C2-4D45-927F-4D346157740C}" type="datetimeFigureOut">
               <a:rPr lang="en-GB" smtClean="0"/>
-              <a:t>10/03/2022</a:t>
+              <a:t>08/02/2023</a:t>
             </a:fld>
             <a:endParaRPr lang="en-GB"/>
           </a:p>
@@ -1848,7 +1848,7 @@
           <a:p>
             <a:fld id="{B1339DB0-78C2-4D45-927F-4D346157740C}" type="datetimeFigureOut">
               <a:rPr lang="en-GB" smtClean="0"/>
-              <a:t>10/03/2022</a:t>
+              <a:t>08/02/2023</a:t>
             </a:fld>
             <a:endParaRPr lang="en-GB"/>
           </a:p>
@@ -1990,7 +1990,7 @@
           <a:p>
             <a:fld id="{B1339DB0-78C2-4D45-927F-4D346157740C}" type="datetimeFigureOut">
               <a:rPr lang="en-GB" smtClean="0"/>
-              <a:t>10/03/2022</a:t>
+              <a:t>08/02/2023</a:t>
             </a:fld>
             <a:endParaRPr lang="en-GB"/>
           </a:p>
@@ -2103,7 +2103,7 @@
           <a:p>
             <a:fld id="{B1339DB0-78C2-4D45-927F-4D346157740C}" type="datetimeFigureOut">
               <a:rPr lang="en-GB" smtClean="0"/>
-              <a:t>10/03/2022</a:t>
+              <a:t>08/02/2023</a:t>
             </a:fld>
             <a:endParaRPr lang="en-GB"/>
           </a:p>
@@ -2416,7 +2416,7 @@
           <a:p>
             <a:fld id="{B1339DB0-78C2-4D45-927F-4D346157740C}" type="datetimeFigureOut">
               <a:rPr lang="en-GB" smtClean="0"/>
-              <a:t>10/03/2022</a:t>
+              <a:t>08/02/2023</a:t>
             </a:fld>
             <a:endParaRPr lang="en-GB"/>
           </a:p>
@@ -2705,7 +2705,7 @@
           <a:p>
             <a:fld id="{B1339DB0-78C2-4D45-927F-4D346157740C}" type="datetimeFigureOut">
               <a:rPr lang="en-GB" smtClean="0"/>
-              <a:t>10/03/2022</a:t>
+              <a:t>08/02/2023</a:t>
             </a:fld>
             <a:endParaRPr lang="en-GB"/>
           </a:p>
@@ -2948,7 +2948,7 @@
           <a:p>
             <a:fld id="{B1339DB0-78C2-4D45-927F-4D346157740C}" type="datetimeFigureOut">
               <a:rPr lang="en-GB" smtClean="0"/>
-              <a:t>10/03/2022</a:t>
+              <a:t>08/02/2023</a:t>
             </a:fld>
             <a:endParaRPr lang="en-GB"/>
           </a:p>
@@ -3468,277 +3468,6 @@
                   <a:srgbClr val="7030A0"/>
                 </a:solidFill>
               </a:rPr>
-              <a:t>7) Conda: installing in an “</a:t>
-            </a:r>
-            <a:r>
-              <a:rPr lang="en-GB" dirty="0" err="1">
-                <a:solidFill>
-                  <a:srgbClr val="7030A0"/>
-                </a:solidFill>
-              </a:rPr>
-              <a:t>env</a:t>
-            </a:r>
-            <a:r>
-              <a:rPr lang="en-GB" dirty="0">
-                <a:solidFill>
-                  <a:srgbClr val="7030A0"/>
-                </a:solidFill>
-              </a:rPr>
-              <a:t>”</a:t>
-            </a:r>
-          </a:p>
-        </p:txBody>
-      </p:sp>
-      <p:sp>
-        <p:nvSpPr>
-          <p:cNvPr id="3" name="Content Placeholder 2">
-            <a:extLst>
-              <a:ext uri="{FF2B5EF4-FFF2-40B4-BE49-F238E27FC236}">
-                <a16:creationId xmlns:a16="http://schemas.microsoft.com/office/drawing/2014/main" id="{EBD8A9F9-A616-4F33-9309-8311F95B6F9F}"/>
-              </a:ext>
-            </a:extLst>
-          </p:cNvPr>
-          <p:cNvSpPr>
-            <a:spLocks noGrp="1"/>
-          </p:cNvSpPr>
-          <p:nvPr>
-            <p:ph idx="1"/>
-          </p:nvPr>
-        </p:nvSpPr>
-        <p:spPr>
-          <a:xfrm>
-            <a:off x="152400" y="758031"/>
-            <a:ext cx="11506200" cy="4351338"/>
-          </a:xfrm>
-        </p:spPr>
-        <p:txBody>
-          <a:bodyPr>
-            <a:normAutofit/>
-          </a:bodyPr>
-          <a:lstStyle/>
-          <a:p>
-            <a:pPr marL="0" indent="0">
-              <a:buNone/>
-            </a:pPr>
-            <a:endParaRPr lang="en-GB" dirty="0">
-              <a:solidFill>
-                <a:srgbClr val="0070C0"/>
-              </a:solidFill>
-            </a:endParaRPr>
-          </a:p>
-          <a:p>
-            <a:pPr marL="0" indent="0">
-              <a:buNone/>
-            </a:pPr>
-            <a:r>
-              <a:rPr lang="en-GB" dirty="0" err="1">
-                <a:solidFill>
-                  <a:srgbClr val="0070C0"/>
-                </a:solidFill>
-              </a:rPr>
-              <a:t>conda</a:t>
-            </a:r>
-            <a:r>
-              <a:rPr lang="en-GB" dirty="0">
-                <a:solidFill>
-                  <a:srgbClr val="0070C0"/>
-                </a:solidFill>
-              </a:rPr>
-              <a:t> activate trinity     </a:t>
-            </a:r>
-            <a:r>
-              <a:rPr lang="en-GB" dirty="0"/>
-              <a:t>(you have to activate it to use it)</a:t>
-            </a:r>
-          </a:p>
-          <a:p>
-            <a:pPr marL="0" indent="0">
-              <a:buNone/>
-            </a:pPr>
-            <a:endParaRPr lang="en-GB" dirty="0"/>
-          </a:p>
-          <a:p>
-            <a:pPr marL="0" indent="0">
-              <a:buNone/>
-            </a:pPr>
-            <a:endParaRPr lang="en-GB" dirty="0">
-              <a:solidFill>
-                <a:srgbClr val="0070C0"/>
-              </a:solidFill>
-            </a:endParaRPr>
-          </a:p>
-          <a:p>
-            <a:pPr marL="0" indent="0">
-              <a:buNone/>
-            </a:pPr>
-            <a:r>
-              <a:rPr lang="en-GB" dirty="0"/>
-              <a:t>Name of </a:t>
-            </a:r>
-            <a:r>
-              <a:rPr lang="en-GB" dirty="0" err="1"/>
-              <a:t>env</a:t>
-            </a:r>
-            <a:endParaRPr lang="en-GB" dirty="0"/>
-          </a:p>
-          <a:p>
-            <a:pPr marL="0" indent="0">
-              <a:buNone/>
-            </a:pPr>
-            <a:endParaRPr lang="en-GB" dirty="0">
-              <a:solidFill>
-                <a:srgbClr val="0070C0"/>
-              </a:solidFill>
-            </a:endParaRPr>
-          </a:p>
-          <a:p>
-            <a:endParaRPr lang="en-GB" dirty="0">
-              <a:solidFill>
-                <a:srgbClr val="0070C0"/>
-              </a:solidFill>
-            </a:endParaRPr>
-          </a:p>
-        </p:txBody>
-      </p:sp>
-      <p:pic>
-        <p:nvPicPr>
-          <p:cNvPr id="4" name="Picture 3">
-            <a:extLst>
-              <a:ext uri="{FF2B5EF4-FFF2-40B4-BE49-F238E27FC236}">
-                <a16:creationId xmlns:a16="http://schemas.microsoft.com/office/drawing/2014/main" id="{92B58DEE-428B-4524-9A99-56C6F7ECD658}"/>
-              </a:ext>
-            </a:extLst>
-          </p:cNvPr>
-          <p:cNvPicPr>
-            <a:picLocks noChangeAspect="1"/>
-          </p:cNvPicPr>
-          <p:nvPr/>
-        </p:nvPicPr>
-        <p:blipFill rotWithShape="1">
-          <a:blip r:embed="rId2">
-            <a:extLst>
-              <a:ext uri="{28A0092B-C50C-407E-A947-70E740481C1C}">
-                <a14:useLocalDpi xmlns:a14="http://schemas.microsoft.com/office/drawing/2010/main" val="0"/>
-              </a:ext>
-            </a:extLst>
-          </a:blip>
-          <a:srcRect/>
-          <a:stretch/>
-        </p:blipFill>
-        <p:spPr>
-          <a:xfrm>
-            <a:off x="2209800" y="1760513"/>
-            <a:ext cx="8128000" cy="5008587"/>
-          </a:xfrm>
-          <a:prstGeom prst="rect">
-            <a:avLst/>
-          </a:prstGeom>
-        </p:spPr>
-      </p:pic>
-      <p:cxnSp>
-        <p:nvCxnSpPr>
-          <p:cNvPr id="6" name="Straight Arrow Connector 5">
-            <a:extLst>
-              <a:ext uri="{FF2B5EF4-FFF2-40B4-BE49-F238E27FC236}">
-                <a16:creationId xmlns:a16="http://schemas.microsoft.com/office/drawing/2014/main" id="{178E06DB-54B0-46A3-8CFC-39CAAD99C7BE}"/>
-              </a:ext>
-            </a:extLst>
-          </p:cNvPr>
-          <p:cNvCxnSpPr>
-            <a:cxnSpLocks/>
-          </p:cNvCxnSpPr>
-          <p:nvPr/>
-        </p:nvCxnSpPr>
-        <p:spPr>
-          <a:xfrm flipV="1">
-            <a:off x="1143000" y="2479278"/>
-            <a:ext cx="965200" cy="419100"/>
-          </a:xfrm>
-          <a:prstGeom prst="straightConnector1">
-            <a:avLst/>
-          </a:prstGeom>
-          <a:ln>
-            <a:tailEnd type="triangle"/>
-          </a:ln>
-        </p:spPr>
-        <p:style>
-          <a:lnRef idx="3">
-            <a:schemeClr val="accent1"/>
-          </a:lnRef>
-          <a:fillRef idx="0">
-            <a:schemeClr val="accent1"/>
-          </a:fillRef>
-          <a:effectRef idx="2">
-            <a:schemeClr val="accent1"/>
-          </a:effectRef>
-          <a:fontRef idx="minor">
-            <a:schemeClr val="tx1"/>
-          </a:fontRef>
-        </p:style>
-      </p:cxnSp>
-    </p:spTree>
-    <p:extLst>
-      <p:ext uri="{BB962C8B-B14F-4D97-AF65-F5344CB8AC3E}">
-        <p14:creationId xmlns:p14="http://schemas.microsoft.com/office/powerpoint/2010/main" val="1326123334"/>
-      </p:ext>
-    </p:extLst>
-  </p:cSld>
-  <p:clrMapOvr>
-    <a:masterClrMapping/>
-  </p:clrMapOvr>
-</p:sld>
-</file>
-
-<file path=ppt/slides/slide11.xml><?xml version="1.0" encoding="utf-8"?>
-<p:sld xmlns:a="http://schemas.openxmlformats.org/drawingml/2006/main" xmlns:r="http://schemas.openxmlformats.org/officeDocument/2006/relationships" xmlns:p="http://schemas.openxmlformats.org/presentationml/2006/main">
-  <p:cSld>
-    <p:spTree>
-      <p:nvGrpSpPr>
-        <p:cNvPr id="1" name=""/>
-        <p:cNvGrpSpPr/>
-        <p:nvPr/>
-      </p:nvGrpSpPr>
-      <p:grpSpPr>
-        <a:xfrm>
-          <a:off x="0" y="0"/>
-          <a:ext cx="0" cy="0"/>
-          <a:chOff x="0" y="0"/>
-          <a:chExt cx="0" cy="0"/>
-        </a:xfrm>
-      </p:grpSpPr>
-      <p:sp>
-        <p:nvSpPr>
-          <p:cNvPr id="2" name="Title 1">
-            <a:extLst>
-              <a:ext uri="{FF2B5EF4-FFF2-40B4-BE49-F238E27FC236}">
-                <a16:creationId xmlns:a16="http://schemas.microsoft.com/office/drawing/2014/main" id="{E0E33078-4396-4F2D-9BCD-FF8FF704BF20}"/>
-              </a:ext>
-            </a:extLst>
-          </p:cNvPr>
-          <p:cNvSpPr>
-            <a:spLocks noGrp="1"/>
-          </p:cNvSpPr>
-          <p:nvPr>
-            <p:ph type="title"/>
-          </p:nvPr>
-        </p:nvSpPr>
-        <p:spPr>
-          <a:xfrm>
-            <a:off x="838200" y="-219075"/>
-            <a:ext cx="10515600" cy="1325563"/>
-          </a:xfrm>
-        </p:spPr>
-        <p:txBody>
-          <a:bodyPr/>
-          <a:lstStyle/>
-          <a:p>
-            <a:pPr algn="ctr"/>
-            <a:r>
-              <a:rPr lang="en-GB" dirty="0">
-                <a:solidFill>
-                  <a:srgbClr val="7030A0"/>
-                </a:solidFill>
-              </a:rPr>
               <a:t>7) Conda: list program install in the “</a:t>
             </a:r>
             <a:r>
@@ -3978,6 +3707,226 @@
 </p:sld>
 </file>
 
+<file path=ppt/slides/slide11.xml><?xml version="1.0" encoding="utf-8"?>
+<p:sld xmlns:a="http://schemas.openxmlformats.org/drawingml/2006/main" xmlns:r="http://schemas.openxmlformats.org/officeDocument/2006/relationships" xmlns:p="http://schemas.openxmlformats.org/presentationml/2006/main">
+  <p:cSld>
+    <p:spTree>
+      <p:nvGrpSpPr>
+        <p:cNvPr id="1" name=""/>
+        <p:cNvGrpSpPr/>
+        <p:nvPr/>
+      </p:nvGrpSpPr>
+      <p:grpSpPr>
+        <a:xfrm>
+          <a:off x="0" y="0"/>
+          <a:ext cx="0" cy="0"/>
+          <a:chOff x="0" y="0"/>
+          <a:chExt cx="0" cy="0"/>
+        </a:xfrm>
+      </p:grpSpPr>
+      <p:sp>
+        <p:nvSpPr>
+          <p:cNvPr id="2" name="Title 1">
+            <a:extLst>
+              <a:ext uri="{FF2B5EF4-FFF2-40B4-BE49-F238E27FC236}">
+                <a16:creationId xmlns:a16="http://schemas.microsoft.com/office/drawing/2014/main" id="{E0E33078-4396-4F2D-9BCD-FF8FF704BF20}"/>
+              </a:ext>
+            </a:extLst>
+          </p:cNvPr>
+          <p:cNvSpPr>
+            <a:spLocks noGrp="1"/>
+          </p:cNvSpPr>
+          <p:nvPr>
+            <p:ph type="title"/>
+          </p:nvPr>
+        </p:nvSpPr>
+        <p:spPr>
+          <a:xfrm>
+            <a:off x="838200" y="-219075"/>
+            <a:ext cx="10515600" cy="1325563"/>
+          </a:xfrm>
+        </p:spPr>
+        <p:txBody>
+          <a:bodyPr/>
+          <a:lstStyle/>
+          <a:p>
+            <a:r>
+              <a:rPr lang="en-GB" dirty="0">
+                <a:solidFill>
+                  <a:srgbClr val="7030A0"/>
+                </a:solidFill>
+              </a:rPr>
+              <a:t>7) Conda: installing in an “</a:t>
+            </a:r>
+            <a:r>
+              <a:rPr lang="en-GB" dirty="0" err="1">
+                <a:solidFill>
+                  <a:srgbClr val="7030A0"/>
+                </a:solidFill>
+              </a:rPr>
+              <a:t>env</a:t>
+            </a:r>
+            <a:r>
+              <a:rPr lang="en-GB" dirty="0">
+                <a:solidFill>
+                  <a:srgbClr val="7030A0"/>
+                </a:solidFill>
+              </a:rPr>
+              <a:t>”</a:t>
+            </a:r>
+          </a:p>
+        </p:txBody>
+      </p:sp>
+      <p:sp>
+        <p:nvSpPr>
+          <p:cNvPr id="3" name="Content Placeholder 2">
+            <a:extLst>
+              <a:ext uri="{FF2B5EF4-FFF2-40B4-BE49-F238E27FC236}">
+                <a16:creationId xmlns:a16="http://schemas.microsoft.com/office/drawing/2014/main" id="{EBD8A9F9-A616-4F33-9309-8311F95B6F9F}"/>
+              </a:ext>
+            </a:extLst>
+          </p:cNvPr>
+          <p:cNvSpPr>
+            <a:spLocks noGrp="1"/>
+          </p:cNvSpPr>
+          <p:nvPr>
+            <p:ph idx="1"/>
+          </p:nvPr>
+        </p:nvSpPr>
+        <p:spPr>
+          <a:xfrm>
+            <a:off x="254000" y="1253331"/>
+            <a:ext cx="11506200" cy="4351338"/>
+          </a:xfrm>
+        </p:spPr>
+        <p:txBody>
+          <a:bodyPr>
+            <a:normAutofit/>
+          </a:bodyPr>
+          <a:lstStyle/>
+          <a:p>
+            <a:pPr marL="0" indent="0">
+              <a:buNone/>
+            </a:pPr>
+            <a:endParaRPr lang="en-GB" dirty="0">
+              <a:solidFill>
+                <a:srgbClr val="0070C0"/>
+              </a:solidFill>
+            </a:endParaRPr>
+          </a:p>
+          <a:p>
+            <a:pPr marL="0" indent="0">
+              <a:buNone/>
+            </a:pPr>
+            <a:r>
+              <a:rPr lang="en-GB" dirty="0" err="1">
+                <a:solidFill>
+                  <a:srgbClr val="0070C0"/>
+                </a:solidFill>
+              </a:rPr>
+              <a:t>conda</a:t>
+            </a:r>
+            <a:r>
+              <a:rPr lang="en-GB" dirty="0">
+                <a:solidFill>
+                  <a:srgbClr val="0070C0"/>
+                </a:solidFill>
+              </a:rPr>
+              <a:t> deactivate </a:t>
+            </a:r>
+            <a:r>
+              <a:rPr lang="en-GB" dirty="0"/>
+              <a:t>(deactivate so program versions in here don’t interfere with other tools)</a:t>
+            </a:r>
+          </a:p>
+          <a:p>
+            <a:pPr marL="0" indent="0">
+              <a:buNone/>
+            </a:pPr>
+            <a:endParaRPr lang="en-GB" dirty="0">
+              <a:solidFill>
+                <a:srgbClr val="0070C0"/>
+              </a:solidFill>
+            </a:endParaRPr>
+          </a:p>
+          <a:p>
+            <a:pPr marL="0" indent="0">
+              <a:buNone/>
+            </a:pPr>
+            <a:endParaRPr lang="en-GB" dirty="0">
+              <a:solidFill>
+                <a:srgbClr val="0070C0"/>
+              </a:solidFill>
+            </a:endParaRPr>
+          </a:p>
+          <a:p>
+            <a:endParaRPr lang="en-GB" dirty="0"/>
+          </a:p>
+        </p:txBody>
+      </p:sp>
+      <p:sp>
+        <p:nvSpPr>
+          <p:cNvPr id="4" name="TextBox 3">
+            <a:extLst>
+              <a:ext uri="{FF2B5EF4-FFF2-40B4-BE49-F238E27FC236}">
+                <a16:creationId xmlns:a16="http://schemas.microsoft.com/office/drawing/2014/main" id="{922D8B46-3165-49A6-848C-A9356D467285}"/>
+              </a:ext>
+            </a:extLst>
+          </p:cNvPr>
+          <p:cNvSpPr txBox="1"/>
+          <p:nvPr/>
+        </p:nvSpPr>
+        <p:spPr>
+          <a:xfrm>
+            <a:off x="10350500" y="0"/>
+            <a:ext cx="1841500" cy="584775"/>
+          </a:xfrm>
+          <a:prstGeom prst="rect">
+            <a:avLst/>
+          </a:prstGeom>
+          <a:noFill/>
+        </p:spPr>
+        <p:txBody>
+          <a:bodyPr wrap="square" rtlCol="0">
+            <a:spAutoFit/>
+          </a:bodyPr>
+          <a:lstStyle/>
+          <a:p>
+            <a:r>
+              <a:rPr lang="en-GB" sz="3200" dirty="0">
+                <a:solidFill>
+                  <a:srgbClr val="FF0000"/>
+                </a:solidFill>
+                <a:highlight>
+                  <a:srgbClr val="FFFF00"/>
+                </a:highlight>
+              </a:rPr>
+              <a:t>ACTIVITY</a:t>
+            </a:r>
+            <a:endParaRPr lang="en-GB" sz="2800" dirty="0">
+              <a:solidFill>
+                <a:srgbClr val="FF0000"/>
+              </a:solidFill>
+              <a:highlight>
+                <a:srgbClr val="FFFF00"/>
+              </a:highlight>
+            </a:endParaRPr>
+          </a:p>
+        </p:txBody>
+      </p:sp>
+    </p:spTree>
+    <p:extLst>
+      <p:ext uri="{BB962C8B-B14F-4D97-AF65-F5344CB8AC3E}">
+        <p14:creationId xmlns:p14="http://schemas.microsoft.com/office/powerpoint/2010/main" val="114485588"/>
+      </p:ext>
+    </p:extLst>
+  </p:cSld>
+  <p:clrMapOvr>
+    <a:masterClrMapping/>
+  </p:clrMapOvr>
+</p:sld>
+</file>
+
 <file path=ppt/slides/slide12.xml><?xml version="1.0" encoding="utf-8"?>
 <p:sld xmlns:a="http://schemas.openxmlformats.org/drawingml/2006/main" xmlns:r="http://schemas.openxmlformats.org/officeDocument/2006/relationships" xmlns:p="http://schemas.openxmlformats.org/presentationml/2006/main">
   <p:cSld>
@@ -4027,7 +3976,7 @@
                   <a:srgbClr val="7030A0"/>
                 </a:solidFill>
               </a:rPr>
-              <a:t>7) Conda: installing in an “</a:t>
+              <a:t>7) Conda: show me all </a:t>
             </a:r>
             <a:r>
               <a:rPr lang="en-GB" dirty="0" err="1">
@@ -4035,7 +3984,7 @@
                   <a:srgbClr val="7030A0"/>
                 </a:solidFill>
               </a:rPr>
-              <a:t>env</a:t>
+              <a:t>envs</a:t>
             </a:r>
             <a:r>
               <a:rPr lang="en-GB" dirty="0">
@@ -4043,7 +3992,7 @@
                   <a:srgbClr val="7030A0"/>
                 </a:solidFill>
               </a:rPr>
-              <a:t>”</a:t>
+              <a:t> I have</a:t>
             </a:r>
           </a:p>
         </p:txBody>
@@ -4066,7 +4015,7 @@
         </p:nvSpPr>
         <p:spPr>
           <a:xfrm>
-            <a:off x="254000" y="1253331"/>
+            <a:off x="215900" y="986631"/>
             <a:ext cx="11506200" cy="4351338"/>
           </a:xfrm>
         </p:spPr>
@@ -4075,6 +4024,45 @@
             <a:normAutofit/>
           </a:bodyPr>
           <a:lstStyle/>
+          <a:p>
+            <a:pPr marL="0" indent="0">
+              <a:buNone/>
+            </a:pPr>
+            <a:r>
+              <a:rPr lang="en-GB" dirty="0"/>
+              <a:t>After a while, you will forget, or forget the names:</a:t>
+            </a:r>
+          </a:p>
+          <a:p>
+            <a:pPr marL="0" indent="0">
+              <a:buNone/>
+            </a:pPr>
+            <a:r>
+              <a:rPr lang="en-GB" dirty="0" err="1">
+                <a:solidFill>
+                  <a:srgbClr val="0070C0"/>
+                </a:solidFill>
+              </a:rPr>
+              <a:t>conda</a:t>
+            </a:r>
+            <a:r>
+              <a:rPr lang="en-GB" dirty="0">
+                <a:solidFill>
+                  <a:srgbClr val="0070C0"/>
+                </a:solidFill>
+              </a:rPr>
+              <a:t> info --</a:t>
+            </a:r>
+            <a:r>
+              <a:rPr lang="en-GB" dirty="0" err="1">
+                <a:solidFill>
+                  <a:srgbClr val="0070C0"/>
+                </a:solidFill>
+              </a:rPr>
+              <a:t>envs</a:t>
+            </a:r>
+            <a:endParaRPr lang="en-GB" dirty="0"/>
+          </a:p>
           <a:p>
             <a:pPr marL="0" indent="0">
               <a:buNone/>
@@ -4089,31 +4077,6 @@
             <a:pPr marL="0" indent="0">
               <a:buNone/>
             </a:pPr>
-            <a:r>
-              <a:rPr lang="en-GB" dirty="0" err="1">
-                <a:solidFill>
-                  <a:srgbClr val="0070C0"/>
-                </a:solidFill>
-              </a:rPr>
-              <a:t>conda</a:t>
-            </a:r>
-            <a:r>
-              <a:rPr lang="en-GB" dirty="0">
-                <a:solidFill>
-                  <a:srgbClr val="0070C0"/>
-                </a:solidFill>
-              </a:rPr>
-              <a:t> deactivate </a:t>
-            </a:r>
-            <a:r>
-              <a:rPr lang="en-GB" dirty="0"/>
-              <a:t>(deactivate so program versions in here don’t interfere with other tools)</a:t>
-            </a:r>
-          </a:p>
-          <a:p>
-            <a:pPr marL="0" indent="0">
-              <a:buNone/>
-            </a:pPr>
             <a:endParaRPr lang="en-GB" dirty="0">
               <a:solidFill>
                 <a:srgbClr val="0070C0"/>
@@ -4121,26 +4084,51 @@
             </a:endParaRPr>
           </a:p>
           <a:p>
-            <a:pPr marL="0" indent="0">
-              <a:buNone/>
-            </a:pPr>
-            <a:endParaRPr lang="en-GB" dirty="0">
-              <a:solidFill>
-                <a:srgbClr val="0070C0"/>
-              </a:solidFill>
-            </a:endParaRPr>
-          </a:p>
-          <a:p>
             <a:endParaRPr lang="en-GB" dirty="0"/>
           </a:p>
         </p:txBody>
       </p:sp>
-      <p:sp>
-        <p:nvSpPr>
-          <p:cNvPr id="4" name="TextBox 3">
-            <a:extLst>
-              <a:ext uri="{FF2B5EF4-FFF2-40B4-BE49-F238E27FC236}">
-                <a16:creationId xmlns:a16="http://schemas.microsoft.com/office/drawing/2014/main" id="{922D8B46-3165-49A6-848C-A9356D467285}"/>
+      <p:pic>
+        <p:nvPicPr>
+          <p:cNvPr id="4" name="Picture 3">
+            <a:extLst>
+              <a:ext uri="{FF2B5EF4-FFF2-40B4-BE49-F238E27FC236}">
+                <a16:creationId xmlns:a16="http://schemas.microsoft.com/office/drawing/2014/main" id="{6EF05BDA-5888-4D22-A13C-C3C84D29BCFD}"/>
+              </a:ext>
+            </a:extLst>
+          </p:cNvPr>
+          <p:cNvPicPr>
+            <a:picLocks noChangeAspect="1"/>
+          </p:cNvPicPr>
+          <p:nvPr/>
+        </p:nvPicPr>
+        <p:blipFill rotWithShape="1">
+          <a:blip r:embed="rId2">
+            <a:extLst>
+              <a:ext uri="{28A0092B-C50C-407E-A947-70E740481C1C}">
+                <a14:useLocalDpi xmlns:a14="http://schemas.microsoft.com/office/drawing/2010/main" val="0"/>
+              </a:ext>
+            </a:extLst>
+          </a:blip>
+          <a:srcRect/>
+          <a:stretch/>
+        </p:blipFill>
+        <p:spPr>
+          <a:xfrm>
+            <a:off x="2159000" y="2042829"/>
+            <a:ext cx="7188200" cy="4815171"/>
+          </a:xfrm>
+          <a:prstGeom prst="rect">
+            <a:avLst/>
+          </a:prstGeom>
+        </p:spPr>
+      </p:pic>
+      <p:sp>
+        <p:nvSpPr>
+          <p:cNvPr id="5" name="TextBox 4">
+            <a:extLst>
+              <a:ext uri="{FF2B5EF4-FFF2-40B4-BE49-F238E27FC236}">
+                <a16:creationId xmlns:a16="http://schemas.microsoft.com/office/drawing/2014/main" id="{CC03E0F7-167C-4C99-B716-D394BDC40070}"/>
               </a:ext>
             </a:extLst>
           </p:cNvPr>
@@ -4188,7 +4176,7 @@
     </p:spTree>
     <p:extLst>
       <p:ext uri="{BB962C8B-B14F-4D97-AF65-F5344CB8AC3E}">
-        <p14:creationId xmlns:p14="http://schemas.microsoft.com/office/powerpoint/2010/main" val="114485588"/>
+        <p14:creationId xmlns:p14="http://schemas.microsoft.com/office/powerpoint/2010/main" val="3482148014"/>
       </p:ext>
     </p:extLst>
   </p:cSld>
@@ -4233,8 +4221,8 @@
         </p:nvSpPr>
         <p:spPr>
           <a:xfrm>
-            <a:off x="838200" y="-219075"/>
-            <a:ext cx="10515600" cy="1325563"/>
+            <a:off x="342900" y="0"/>
+            <a:ext cx="11417300" cy="1472406"/>
           </a:xfrm>
         </p:spPr>
         <p:txBody>
@@ -4247,23 +4235,7 @@
                   <a:srgbClr val="7030A0"/>
                 </a:solidFill>
               </a:rPr>
-              <a:t>7) Conda: show me all </a:t>
-            </a:r>
-            <a:r>
-              <a:rPr lang="en-GB" dirty="0" err="1">
-                <a:solidFill>
-                  <a:srgbClr val="7030A0"/>
-                </a:solidFill>
-              </a:rPr>
-              <a:t>envs</a:t>
-            </a:r>
-            <a:r>
-              <a:rPr lang="en-GB" dirty="0">
-                <a:solidFill>
-                  <a:srgbClr val="7030A0"/>
-                </a:solidFill>
-              </a:rPr>
-              <a:t> I have</a:t>
+              <a:t>7) Conda: installing multiple tools at once: specific python version</a:t>
             </a:r>
           </a:p>
         </p:txBody>
@@ -4286,7 +4258,7 @@
         </p:nvSpPr>
         <p:spPr>
           <a:xfrm>
-            <a:off x="215900" y="986631"/>
+            <a:off x="342900" y="1532731"/>
             <a:ext cx="11506200" cy="4351338"/>
           </a:xfrm>
         </p:spPr>
@@ -4300,14 +4272,13 @@
               <a:buNone/>
             </a:pPr>
             <a:r>
-              <a:rPr lang="en-GB" dirty="0"/>
-              <a:t>After a while, you will forget, or forget the names:</a:t>
-            </a:r>
-          </a:p>
-          <a:p>
-            <a:pPr marL="0" indent="0">
-              <a:buNone/>
-            </a:pPr>
+              <a:rPr lang="en-GB" dirty="0">
+                <a:solidFill>
+                  <a:srgbClr val="0070C0"/>
+                </a:solidFill>
+              </a:rPr>
+              <a:t> </a:t>
+            </a:r>
             <a:r>
               <a:rPr lang="en-GB" dirty="0" err="1">
                 <a:solidFill>
@@ -4322,7 +4293,7 @@
                   <a:srgbClr val="0070C0"/>
                 </a:solidFill>
               </a:rPr>
-              <a:t> info --</a:t>
+              <a:t> create -n python36_bioperl python=3.6 </a:t>
             </a:r>
             <a:r>
               <a:rPr lang="en-GB" dirty="0" err="1">
@@ -4330,9 +4301,64 @@
                   <a:srgbClr val="0070C0"/>
                 </a:solidFill>
               </a:rPr>
-              <a:t>envs</a:t>
-            </a:r>
-            <a:endParaRPr lang="en-GB" dirty="0"/>
+              <a:t>perl-bioperl</a:t>
+            </a:r>
+            <a:r>
+              <a:rPr lang="en-GB" dirty="0">
+                <a:solidFill>
+                  <a:srgbClr val="0070C0"/>
+                </a:solidFill>
+              </a:rPr>
+              <a:t> mummer </a:t>
+            </a:r>
+            <a:r>
+              <a:rPr lang="en-GB" dirty="0" err="1">
+                <a:solidFill>
+                  <a:srgbClr val="0070C0"/>
+                </a:solidFill>
+              </a:rPr>
+              <a:t>scipy</a:t>
+            </a:r>
+            <a:r>
+              <a:rPr lang="en-GB" dirty="0">
+                <a:solidFill>
+                  <a:srgbClr val="0070C0"/>
+                </a:solidFill>
+              </a:rPr>
+              <a:t> </a:t>
+            </a:r>
+            <a:r>
+              <a:rPr lang="en-GB" dirty="0" err="1">
+                <a:solidFill>
+                  <a:srgbClr val="0070C0"/>
+                </a:solidFill>
+              </a:rPr>
+              <a:t>numpy</a:t>
+            </a:r>
+            <a:r>
+              <a:rPr lang="en-GB" dirty="0">
+                <a:solidFill>
+                  <a:srgbClr val="0070C0"/>
+                </a:solidFill>
+              </a:rPr>
+              <a:t> </a:t>
+            </a:r>
+            <a:r>
+              <a:rPr lang="en-GB" dirty="0" err="1">
+                <a:solidFill>
+                  <a:srgbClr val="0070C0"/>
+                </a:solidFill>
+              </a:rPr>
+              <a:t>biopython</a:t>
+            </a:r>
+            <a:r>
+              <a:rPr lang="en-GB" dirty="0">
+                <a:solidFill>
+                  <a:srgbClr val="0070C0"/>
+                </a:solidFill>
+              </a:rPr>
+              <a:t> matplotlib</a:t>
+            </a:r>
           </a:p>
           <a:p>
             <a:pPr marL="0" indent="0">
@@ -4345,109 +4371,14 @@
             </a:endParaRPr>
           </a:p>
           <a:p>
-            <a:pPr marL="0" indent="0">
-              <a:buNone/>
-            </a:pPr>
-            <a:endParaRPr lang="en-GB" dirty="0">
-              <a:solidFill>
-                <a:srgbClr val="0070C0"/>
-              </a:solidFill>
-            </a:endParaRPr>
-          </a:p>
-          <a:p>
             <a:endParaRPr lang="en-GB" dirty="0"/>
-          </a:p>
-        </p:txBody>
-      </p:sp>
-      <p:pic>
-        <p:nvPicPr>
-          <p:cNvPr id="4" name="Picture 3">
-            <a:extLst>
-              <a:ext uri="{FF2B5EF4-FFF2-40B4-BE49-F238E27FC236}">
-                <a16:creationId xmlns:a16="http://schemas.microsoft.com/office/drawing/2014/main" id="{6EF05BDA-5888-4D22-A13C-C3C84D29BCFD}"/>
-              </a:ext>
-            </a:extLst>
-          </p:cNvPr>
-          <p:cNvPicPr>
-            <a:picLocks noChangeAspect="1"/>
-          </p:cNvPicPr>
-          <p:nvPr/>
-        </p:nvPicPr>
-        <p:blipFill rotWithShape="1">
-          <a:blip r:embed="rId2">
-            <a:extLst>
-              <a:ext uri="{28A0092B-C50C-407E-A947-70E740481C1C}">
-                <a14:useLocalDpi xmlns:a14="http://schemas.microsoft.com/office/drawing/2010/main" val="0"/>
-              </a:ext>
-            </a:extLst>
-          </a:blip>
-          <a:srcRect/>
-          <a:stretch/>
-        </p:blipFill>
-        <p:spPr>
-          <a:xfrm>
-            <a:off x="2159000" y="2042829"/>
-            <a:ext cx="7188200" cy="4815171"/>
-          </a:xfrm>
-          <a:prstGeom prst="rect">
-            <a:avLst/>
-          </a:prstGeom>
-        </p:spPr>
-      </p:pic>
-      <p:sp>
-        <p:nvSpPr>
-          <p:cNvPr id="5" name="TextBox 4">
-            <a:extLst>
-              <a:ext uri="{FF2B5EF4-FFF2-40B4-BE49-F238E27FC236}">
-                <a16:creationId xmlns:a16="http://schemas.microsoft.com/office/drawing/2014/main" id="{CC03E0F7-167C-4C99-B716-D394BDC40070}"/>
-              </a:ext>
-            </a:extLst>
-          </p:cNvPr>
-          <p:cNvSpPr txBox="1"/>
-          <p:nvPr/>
-        </p:nvSpPr>
-        <p:spPr>
-          <a:xfrm>
-            <a:off x="10350500" y="0"/>
-            <a:ext cx="1841500" cy="584775"/>
-          </a:xfrm>
-          <a:prstGeom prst="rect">
-            <a:avLst/>
-          </a:prstGeom>
-          <a:noFill/>
-        </p:spPr>
-        <p:txBody>
-          <a:bodyPr wrap="square" rtlCol="0">
-            <a:spAutoFit/>
-          </a:bodyPr>
-          <a:lstStyle/>
-          <a:p>
-            <a:r>
-              <a:rPr lang="en-GB" sz="3200" dirty="0">
-                <a:solidFill>
-                  <a:srgbClr val="FF0000"/>
-                </a:solidFill>
-                <a:highlight>
-                  <a:srgbClr val="FFFF00"/>
-                </a:highlight>
-              </a:rPr>
-              <a:t>ACTIVITY</a:t>
-            </a:r>
-            <a:endParaRPr lang="en-GB" sz="2800" dirty="0">
-              <a:solidFill>
-                <a:srgbClr val="FF0000"/>
-              </a:solidFill>
-              <a:highlight>
-                <a:srgbClr val="FFFF00"/>
-              </a:highlight>
-            </a:endParaRPr>
           </a:p>
         </p:txBody>
       </p:sp>
     </p:spTree>
     <p:extLst>
       <p:ext uri="{BB962C8B-B14F-4D97-AF65-F5344CB8AC3E}">
-        <p14:creationId xmlns:p14="http://schemas.microsoft.com/office/powerpoint/2010/main" val="3482148014"/>
+        <p14:creationId xmlns:p14="http://schemas.microsoft.com/office/powerpoint/2010/main" val="2643540796"/>
       </p:ext>
     </p:extLst>
   </p:cSld>
@@ -4506,7 +4437,7 @@
                   <a:srgbClr val="7030A0"/>
                 </a:solidFill>
               </a:rPr>
-              <a:t>7) Conda: installing multiple tools at once: specific python version</a:t>
+              <a:t>7) Conda: errors</a:t>
             </a:r>
           </a:p>
         </p:txBody>
@@ -4543,103 +4474,17 @@
               <a:buNone/>
             </a:pPr>
             <a:r>
-              <a:rPr lang="en-GB" dirty="0">
-                <a:solidFill>
-                  <a:srgbClr val="0070C0"/>
-                </a:solidFill>
-              </a:rPr>
-              <a:t> </a:t>
-            </a:r>
-            <a:r>
-              <a:rPr lang="en-GB" dirty="0" err="1">
-                <a:solidFill>
-                  <a:srgbClr val="0070C0"/>
-                </a:solidFill>
-              </a:rPr>
-              <a:t>conda</a:t>
-            </a:r>
-            <a:r>
-              <a:rPr lang="en-GB" dirty="0">
-                <a:solidFill>
-                  <a:srgbClr val="0070C0"/>
-                </a:solidFill>
-              </a:rPr>
-              <a:t> create -n python36_bioperl python=3.6 </a:t>
-            </a:r>
-            <a:r>
-              <a:rPr lang="en-GB" dirty="0" err="1">
-                <a:solidFill>
-                  <a:srgbClr val="0070C0"/>
-                </a:solidFill>
-              </a:rPr>
-              <a:t>perl-bioperl</a:t>
-            </a:r>
-            <a:r>
-              <a:rPr lang="en-GB" dirty="0">
-                <a:solidFill>
-                  <a:srgbClr val="0070C0"/>
-                </a:solidFill>
-              </a:rPr>
-              <a:t> mummer </a:t>
-            </a:r>
-            <a:r>
-              <a:rPr lang="en-GB" dirty="0" err="1">
-                <a:solidFill>
-                  <a:srgbClr val="0070C0"/>
-                </a:solidFill>
-              </a:rPr>
-              <a:t>scipy</a:t>
-            </a:r>
-            <a:r>
-              <a:rPr lang="en-GB" dirty="0">
-                <a:solidFill>
-                  <a:srgbClr val="0070C0"/>
-                </a:solidFill>
-              </a:rPr>
-              <a:t> </a:t>
-            </a:r>
-            <a:r>
-              <a:rPr lang="en-GB" dirty="0" err="1">
-                <a:solidFill>
-                  <a:srgbClr val="0070C0"/>
-                </a:solidFill>
-              </a:rPr>
-              <a:t>numpy</a:t>
-            </a:r>
-            <a:r>
-              <a:rPr lang="en-GB" dirty="0">
-                <a:solidFill>
-                  <a:srgbClr val="0070C0"/>
-                </a:solidFill>
-              </a:rPr>
-              <a:t> </a:t>
-            </a:r>
-            <a:r>
-              <a:rPr lang="en-GB" dirty="0" err="1">
-                <a:solidFill>
-                  <a:srgbClr val="0070C0"/>
-                </a:solidFill>
-              </a:rPr>
-              <a:t>biopython</a:t>
-            </a:r>
-            <a:r>
-              <a:rPr lang="en-GB" dirty="0">
-                <a:solidFill>
-                  <a:srgbClr val="0070C0"/>
-                </a:solidFill>
-              </a:rPr>
-              <a:t> matplotlib</a:t>
-            </a:r>
-          </a:p>
-          <a:p>
-            <a:pPr marL="0" indent="0">
-              <a:buNone/>
-            </a:pPr>
-            <a:endParaRPr lang="en-GB" dirty="0">
-              <a:solidFill>
-                <a:srgbClr val="0070C0"/>
-              </a:solidFill>
-            </a:endParaRPr>
+              <a:rPr lang="en-GB" dirty="0"/>
+              <a:t> If you get errors please contact the developers of the package via their </a:t>
+            </a:r>
+            <a:r>
+              <a:rPr lang="en-GB" dirty="0" err="1"/>
+              <a:t>gihub</a:t>
+            </a:r>
+            <a:r>
+              <a:rPr lang="en-GB" dirty="0"/>
+              <a:t> pages, or any other contact details they provide. They will be better suited to find errors in their software that us. </a:t>
+            </a:r>
           </a:p>
           <a:p>
             <a:endParaRPr lang="en-GB" dirty="0"/>
@@ -4649,7 +4494,7 @@
     </p:spTree>
     <p:extLst>
       <p:ext uri="{BB962C8B-B14F-4D97-AF65-F5344CB8AC3E}">
-        <p14:creationId xmlns:p14="http://schemas.microsoft.com/office/powerpoint/2010/main" val="2643540796"/>
+        <p14:creationId xmlns:p14="http://schemas.microsoft.com/office/powerpoint/2010/main" val="208583226"/>
       </p:ext>
     </p:extLst>
   </p:cSld>
@@ -4708,7 +4553,7 @@
                   <a:srgbClr val="7030A0"/>
                 </a:solidFill>
               </a:rPr>
-              <a:t>7) Conda: errors</a:t>
+              <a:t>7) Conda: errors on Kennedy</a:t>
             </a:r>
           </a:p>
         </p:txBody>
@@ -4746,16 +4591,153 @@
             </a:pPr>
             <a:r>
               <a:rPr lang="en-GB" dirty="0"/>
-              <a:t> If you get errors please contact the developers of the package via their </a:t>
+              <a:t> For reasons I do not understand, the “bin” folder in your </a:t>
             </a:r>
             <a:r>
               <a:rPr lang="en-GB" dirty="0" err="1"/>
-              <a:t>gihub</a:t>
+              <a:t>conda</a:t>
             </a:r>
             <a:r>
               <a:rPr lang="en-GB" dirty="0"/>
-              <a:t> pages, or any other contact details they provide. They will be better suited to find errors in their software that us. </a:t>
-            </a:r>
+              <a:t> environment do not have executable </a:t>
+            </a:r>
+            <a:r>
+              <a:rPr lang="en-GB" dirty="0" err="1"/>
+              <a:t>progams</a:t>
+            </a:r>
+            <a:r>
+              <a:rPr lang="en-GB" dirty="0"/>
+              <a:t> on Kennedy. (gpfs1 files system problem?)</a:t>
+            </a:r>
+          </a:p>
+          <a:p>
+            <a:pPr marL="0" indent="0">
+              <a:buNone/>
+            </a:pPr>
+            <a:endParaRPr lang="en-GB" dirty="0"/>
+          </a:p>
+          <a:p>
+            <a:pPr marL="0" indent="0">
+              <a:buNone/>
+            </a:pPr>
+            <a:r>
+              <a:rPr lang="en-GB" dirty="0"/>
+              <a:t>So you need to go in to the bin folder for the env you have just made and make the programs executable by </a:t>
+            </a:r>
+          </a:p>
+          <a:p>
+            <a:pPr marL="0" indent="0">
+              <a:buNone/>
+            </a:pPr>
+            <a:r>
+              <a:rPr lang="en-GB" dirty="0"/>
+              <a:t>	</a:t>
+            </a:r>
+            <a:r>
+              <a:rPr lang="en-GB" dirty="0" err="1">
+                <a:highlight>
+                  <a:srgbClr val="FFFF00"/>
+                </a:highlight>
+              </a:rPr>
+              <a:t>chmod</a:t>
+            </a:r>
+            <a:r>
+              <a:rPr lang="en-GB" dirty="0">
+                <a:highlight>
+                  <a:srgbClr val="FFFF00"/>
+                </a:highlight>
+              </a:rPr>
+              <a:t> </a:t>
+            </a:r>
+            <a:r>
+              <a:rPr lang="en-GB" dirty="0" err="1">
+                <a:highlight>
+                  <a:srgbClr val="FFFF00"/>
+                </a:highlight>
+              </a:rPr>
+              <a:t>u+x</a:t>
+            </a:r>
+            <a:r>
+              <a:rPr lang="en-GB" dirty="0">
+                <a:highlight>
+                  <a:srgbClr val="FFFF00"/>
+                </a:highlight>
+              </a:rPr>
+              <a:t> </a:t>
+            </a:r>
+            <a:r>
+              <a:rPr lang="en-GB" dirty="0" err="1">
+                <a:highlight>
+                  <a:srgbClr val="FFFF00"/>
+                </a:highlight>
+              </a:rPr>
+              <a:t>name_of_prog</a:t>
+            </a:r>
+            <a:r>
+              <a:rPr lang="en-GB" dirty="0">
+                <a:highlight>
+                  <a:srgbClr val="FFFF00"/>
+                </a:highlight>
+              </a:rPr>
+              <a:t>     </a:t>
+            </a:r>
+            <a:r>
+              <a:rPr lang="en-GB" dirty="0"/>
+              <a:t>(e.g. python)</a:t>
+            </a:r>
+          </a:p>
+          <a:p>
+            <a:pPr marL="0" indent="0">
+              <a:buNone/>
+            </a:pPr>
+            <a:r>
+              <a:rPr lang="en-GB" dirty="0"/>
+              <a:t>If you are super lazy:</a:t>
+            </a:r>
+          </a:p>
+          <a:p>
+            <a:pPr marL="0" indent="0">
+              <a:buNone/>
+            </a:pPr>
+            <a:r>
+              <a:rPr lang="en-GB" dirty="0" err="1">
+                <a:highlight>
+                  <a:srgbClr val="FFFF00"/>
+                </a:highlight>
+              </a:rPr>
+              <a:t>chmod</a:t>
+            </a:r>
+            <a:r>
+              <a:rPr lang="en-GB" dirty="0">
+                <a:highlight>
+                  <a:srgbClr val="FFFF00"/>
+                </a:highlight>
+              </a:rPr>
+              <a:t> </a:t>
+            </a:r>
+            <a:r>
+              <a:rPr lang="en-GB" dirty="0" err="1">
+                <a:highlight>
+                  <a:srgbClr val="FFFF00"/>
+                </a:highlight>
+              </a:rPr>
+              <a:t>u+x</a:t>
+            </a:r>
+            <a:r>
+              <a:rPr lang="en-GB" dirty="0">
+                <a:highlight>
+                  <a:srgbClr val="FFFF00"/>
+                </a:highlight>
+              </a:rPr>
+              <a:t> *    (but only in that bin folder). </a:t>
+            </a:r>
+            <a:endParaRPr lang="en-GB" dirty="0"/>
+          </a:p>
+          <a:p>
+            <a:pPr marL="0" indent="0">
+              <a:buNone/>
+            </a:pPr>
+            <a:endParaRPr lang="en-GB" dirty="0"/>
           </a:p>
           <a:p>
             <a:endParaRPr lang="en-GB" dirty="0"/>
@@ -4765,7 +4747,7 @@
     </p:spTree>
     <p:extLst>
       <p:ext uri="{BB962C8B-B14F-4D97-AF65-F5344CB8AC3E}">
-        <p14:creationId xmlns:p14="http://schemas.microsoft.com/office/powerpoint/2010/main" val="208583226"/>
+        <p14:creationId xmlns:p14="http://schemas.microsoft.com/office/powerpoint/2010/main" val="4055274567"/>
       </p:ext>
     </p:extLst>
   </p:cSld>
@@ -6618,12 +6600,12 @@
               <a:t>        source ~/.</a:t>
             </a:r>
             <a:r>
-              <a:rPr lang="en-GB" dirty="0" err="1">
+              <a:rPr lang="en-GB">
                 <a:solidFill>
                   <a:srgbClr val="0070C0"/>
                 </a:solidFill>
               </a:rPr>
-              <a:t>bashrc</a:t>
+              <a:t>bash_profile</a:t>
             </a:r>
             <a:endParaRPr lang="en-GB" dirty="0">
               <a:solidFill>
@@ -6754,180 +6736,6 @@
           <p:cNvPr id="2" name="Title 1">
             <a:extLst>
               <a:ext uri="{FF2B5EF4-FFF2-40B4-BE49-F238E27FC236}">
-                <a16:creationId xmlns:a16="http://schemas.microsoft.com/office/drawing/2014/main" id="{143F5B5D-4E67-4144-98E9-B5E27C826C45}"/>
-              </a:ext>
-            </a:extLst>
-          </p:cNvPr>
-          <p:cNvSpPr>
-            <a:spLocks noGrp="1"/>
-          </p:cNvSpPr>
-          <p:nvPr>
-            <p:ph type="title"/>
-          </p:nvPr>
-        </p:nvSpPr>
-        <p:spPr>
-          <a:xfrm>
-            <a:off x="838200" y="-8380"/>
-            <a:ext cx="10515600" cy="1325563"/>
-          </a:xfrm>
-        </p:spPr>
-        <p:txBody>
-          <a:bodyPr/>
-          <a:lstStyle/>
-          <a:p>
-            <a:pPr algn="ctr"/>
-            <a:r>
-              <a:rPr lang="en-GB" dirty="0">
-                <a:solidFill>
-                  <a:srgbClr val="7030A0"/>
-                </a:solidFill>
-              </a:rPr>
-              <a:t>7) Conda: This is the future</a:t>
-            </a:r>
-          </a:p>
-        </p:txBody>
-      </p:sp>
-      <p:sp>
-        <p:nvSpPr>
-          <p:cNvPr id="3" name="Content Placeholder 2">
-            <a:extLst>
-              <a:ext uri="{FF2B5EF4-FFF2-40B4-BE49-F238E27FC236}">
-                <a16:creationId xmlns:a16="http://schemas.microsoft.com/office/drawing/2014/main" id="{2676870C-9E85-4EA5-9C0B-AF8AE1F97078}"/>
-              </a:ext>
-            </a:extLst>
-          </p:cNvPr>
-          <p:cNvSpPr>
-            <a:spLocks noGrp="1"/>
-          </p:cNvSpPr>
-          <p:nvPr>
-            <p:ph idx="1"/>
-          </p:nvPr>
-        </p:nvSpPr>
-        <p:spPr>
-          <a:xfrm>
-            <a:off x="123334" y="1315073"/>
-            <a:ext cx="11792441" cy="4351338"/>
-          </a:xfrm>
-        </p:spPr>
-        <p:txBody>
-          <a:bodyPr>
-            <a:normAutofit/>
-          </a:bodyPr>
-          <a:lstStyle/>
-          <a:p>
-            <a:r>
-              <a:rPr lang="en-GB" dirty="0"/>
-              <a:t>You remember the </a:t>
-            </a:r>
-            <a:r>
-              <a:rPr lang="en-GB" dirty="0" err="1"/>
-              <a:t>modeulav</a:t>
-            </a:r>
-            <a:r>
-              <a:rPr lang="en-GB" dirty="0"/>
-              <a:t> thing? ~200 software packages, some really hard to install (dependencies or dependencies ….)</a:t>
-            </a:r>
-          </a:p>
-          <a:p>
-            <a:r>
-              <a:rPr lang="en-GB" dirty="0"/>
-              <a:t>When we update </a:t>
-            </a:r>
-            <a:r>
-              <a:rPr lang="en-GB" dirty="0" err="1"/>
-              <a:t>Redhat</a:t>
-            </a:r>
-            <a:r>
-              <a:rPr lang="en-GB" dirty="0"/>
-              <a:t> 6 </a:t>
-            </a:r>
-            <a:r>
-              <a:rPr lang="en-GB"/>
-              <a:t>to Redhat8, </a:t>
-            </a:r>
-            <a:r>
-              <a:rPr lang="en-GB" dirty="0"/>
-              <a:t>which needs doing!!! These will break.  </a:t>
-            </a:r>
-          </a:p>
-          <a:p>
-            <a:r>
-              <a:rPr lang="en-GB" dirty="0"/>
-              <a:t>It will take ~years to re install. So get used to Conda!! We wont re-install tools that are in Conda. </a:t>
-            </a:r>
-          </a:p>
-        </p:txBody>
-      </p:sp>
-      <p:pic>
-        <p:nvPicPr>
-          <p:cNvPr id="6" name="Picture 5">
-            <a:extLst>
-              <a:ext uri="{FF2B5EF4-FFF2-40B4-BE49-F238E27FC236}">
-                <a16:creationId xmlns:a16="http://schemas.microsoft.com/office/drawing/2014/main" id="{175AA941-E6DB-4E36-8288-E697E9DDB349}"/>
-              </a:ext>
-            </a:extLst>
-          </p:cNvPr>
-          <p:cNvPicPr>
-            <a:picLocks noChangeAspect="1"/>
-          </p:cNvPicPr>
-          <p:nvPr/>
-        </p:nvPicPr>
-        <p:blipFill rotWithShape="1">
-          <a:blip r:embed="rId2">
-            <a:extLst>
-              <a:ext uri="{28A0092B-C50C-407E-A947-70E740481C1C}">
-                <a14:useLocalDpi xmlns:a14="http://schemas.microsoft.com/office/drawing/2010/main" val="0"/>
-              </a:ext>
-            </a:extLst>
-          </a:blip>
-          <a:srcRect/>
-          <a:stretch/>
-        </p:blipFill>
-        <p:spPr>
-          <a:xfrm>
-            <a:off x="2665846" y="3842615"/>
-            <a:ext cx="6605847" cy="4811373"/>
-          </a:xfrm>
-          <a:prstGeom prst="rect">
-            <a:avLst/>
-          </a:prstGeom>
-        </p:spPr>
-      </p:pic>
-    </p:spTree>
-    <p:extLst>
-      <p:ext uri="{BB962C8B-B14F-4D97-AF65-F5344CB8AC3E}">
-        <p14:creationId xmlns:p14="http://schemas.microsoft.com/office/powerpoint/2010/main" val="3448373892"/>
-      </p:ext>
-    </p:extLst>
-  </p:cSld>
-  <p:clrMapOvr>
-    <a:masterClrMapping/>
-  </p:clrMapOvr>
-</p:sld>
-</file>
-
-<file path=ppt/slides/slide4.xml><?xml version="1.0" encoding="utf-8"?>
-<p:sld xmlns:a="http://schemas.openxmlformats.org/drawingml/2006/main" xmlns:r="http://schemas.openxmlformats.org/officeDocument/2006/relationships" xmlns:p="http://schemas.openxmlformats.org/presentationml/2006/main">
-  <p:cSld>
-    <p:spTree>
-      <p:nvGrpSpPr>
-        <p:cNvPr id="1" name=""/>
-        <p:cNvGrpSpPr/>
-        <p:nvPr/>
-      </p:nvGrpSpPr>
-      <p:grpSpPr>
-        <a:xfrm>
-          <a:off x="0" y="0"/>
-          <a:ext cx="0" cy="0"/>
-          <a:chOff x="0" y="0"/>
-          <a:chExt cx="0" cy="0"/>
-        </a:xfrm>
-      </p:grpSpPr>
-      <p:sp>
-        <p:nvSpPr>
-          <p:cNvPr id="2" name="Title 1">
-            <a:extLst>
-              <a:ext uri="{FF2B5EF4-FFF2-40B4-BE49-F238E27FC236}">
                 <a16:creationId xmlns:a16="http://schemas.microsoft.com/office/drawing/2014/main" id="{AA70CF6B-11B2-4668-B5FE-C89168FEE54C}"/>
               </a:ext>
             </a:extLst>
@@ -7193,7 +7001,7 @@
 </p:sld>
 </file>
 
-<file path=ppt/slides/slide5.xml><?xml version="1.0" encoding="utf-8"?>
+<file path=ppt/slides/slide4.xml><?xml version="1.0" encoding="utf-8"?>
 <p:sld xmlns:a="http://schemas.openxmlformats.org/drawingml/2006/main" xmlns:r="http://schemas.openxmlformats.org/officeDocument/2006/relationships" xmlns:p="http://schemas.openxmlformats.org/presentationml/2006/main">
   <p:cSld>
     <p:spTree>
@@ -7387,7 +7195,7 @@
 </p:sld>
 </file>
 
-<file path=ppt/slides/slide6.xml><?xml version="1.0" encoding="utf-8"?>
+<file path=ppt/slides/slide5.xml><?xml version="1.0" encoding="utf-8"?>
 <p:sld xmlns:a="http://schemas.openxmlformats.org/drawingml/2006/main" xmlns:r="http://schemas.openxmlformats.org/officeDocument/2006/relationships" xmlns:p="http://schemas.openxmlformats.org/presentationml/2006/main">
   <p:cSld>
     <p:spTree>
@@ -7594,7 +7402,7 @@
 </p:sld>
 </file>
 
-<file path=ppt/slides/slide7.xml><?xml version="1.0" encoding="utf-8"?>
+<file path=ppt/slides/slide6.xml><?xml version="1.0" encoding="utf-8"?>
 <p:sld xmlns:a="http://schemas.openxmlformats.org/drawingml/2006/main" xmlns:r="http://schemas.openxmlformats.org/officeDocument/2006/relationships" xmlns:p="http://schemas.openxmlformats.org/presentationml/2006/main">
   <p:cSld>
     <p:spTree>
@@ -7806,7 +7614,7 @@
 </p:sld>
 </file>
 
-<file path=ppt/slides/slide8.xml><?xml version="1.0" encoding="utf-8"?>
+<file path=ppt/slides/slide7.xml><?xml version="1.0" encoding="utf-8"?>
 <p:sld xmlns:a="http://schemas.openxmlformats.org/drawingml/2006/main" xmlns:r="http://schemas.openxmlformats.org/officeDocument/2006/relationships" xmlns:p="http://schemas.openxmlformats.org/presentationml/2006/main">
   <p:cSld>
     <p:spTree>
@@ -8147,7 +7955,7 @@
 </p:sld>
 </file>
 
-<file path=ppt/slides/slide9.xml><?xml version="1.0" encoding="utf-8"?>
+<file path=ppt/slides/slide8.xml><?xml version="1.0" encoding="utf-8"?>
 <p:sld xmlns:a="http://schemas.openxmlformats.org/drawingml/2006/main" xmlns:r="http://schemas.openxmlformats.org/officeDocument/2006/relationships" xmlns:p="http://schemas.openxmlformats.org/presentationml/2006/main">
   <p:cSld>
     <p:spTree>
@@ -8333,6 +8141,277 @@
     <p:extLst>
       <p:ext uri="{BB962C8B-B14F-4D97-AF65-F5344CB8AC3E}">
         <p14:creationId xmlns:p14="http://schemas.microsoft.com/office/powerpoint/2010/main" val="1206697204"/>
+      </p:ext>
+    </p:extLst>
+  </p:cSld>
+  <p:clrMapOvr>
+    <a:masterClrMapping/>
+  </p:clrMapOvr>
+</p:sld>
+</file>
+
+<file path=ppt/slides/slide9.xml><?xml version="1.0" encoding="utf-8"?>
+<p:sld xmlns:a="http://schemas.openxmlformats.org/drawingml/2006/main" xmlns:r="http://schemas.openxmlformats.org/officeDocument/2006/relationships" xmlns:p="http://schemas.openxmlformats.org/presentationml/2006/main">
+  <p:cSld>
+    <p:spTree>
+      <p:nvGrpSpPr>
+        <p:cNvPr id="1" name=""/>
+        <p:cNvGrpSpPr/>
+        <p:nvPr/>
+      </p:nvGrpSpPr>
+      <p:grpSpPr>
+        <a:xfrm>
+          <a:off x="0" y="0"/>
+          <a:ext cx="0" cy="0"/>
+          <a:chOff x="0" y="0"/>
+          <a:chExt cx="0" cy="0"/>
+        </a:xfrm>
+      </p:grpSpPr>
+      <p:sp>
+        <p:nvSpPr>
+          <p:cNvPr id="2" name="Title 1">
+            <a:extLst>
+              <a:ext uri="{FF2B5EF4-FFF2-40B4-BE49-F238E27FC236}">
+                <a16:creationId xmlns:a16="http://schemas.microsoft.com/office/drawing/2014/main" id="{E0E33078-4396-4F2D-9BCD-FF8FF704BF20}"/>
+              </a:ext>
+            </a:extLst>
+          </p:cNvPr>
+          <p:cNvSpPr>
+            <a:spLocks noGrp="1"/>
+          </p:cNvSpPr>
+          <p:nvPr>
+            <p:ph type="title"/>
+          </p:nvPr>
+        </p:nvSpPr>
+        <p:spPr>
+          <a:xfrm>
+            <a:off x="838200" y="-219075"/>
+            <a:ext cx="10515600" cy="1325563"/>
+          </a:xfrm>
+        </p:spPr>
+        <p:txBody>
+          <a:bodyPr/>
+          <a:lstStyle/>
+          <a:p>
+            <a:pPr algn="ctr"/>
+            <a:r>
+              <a:rPr lang="en-GB" dirty="0">
+                <a:solidFill>
+                  <a:srgbClr val="7030A0"/>
+                </a:solidFill>
+              </a:rPr>
+              <a:t>7) Conda: installing in an “</a:t>
+            </a:r>
+            <a:r>
+              <a:rPr lang="en-GB" dirty="0" err="1">
+                <a:solidFill>
+                  <a:srgbClr val="7030A0"/>
+                </a:solidFill>
+              </a:rPr>
+              <a:t>env</a:t>
+            </a:r>
+            <a:r>
+              <a:rPr lang="en-GB" dirty="0">
+                <a:solidFill>
+                  <a:srgbClr val="7030A0"/>
+                </a:solidFill>
+              </a:rPr>
+              <a:t>”</a:t>
+            </a:r>
+          </a:p>
+        </p:txBody>
+      </p:sp>
+      <p:sp>
+        <p:nvSpPr>
+          <p:cNvPr id="3" name="Content Placeholder 2">
+            <a:extLst>
+              <a:ext uri="{FF2B5EF4-FFF2-40B4-BE49-F238E27FC236}">
+                <a16:creationId xmlns:a16="http://schemas.microsoft.com/office/drawing/2014/main" id="{EBD8A9F9-A616-4F33-9309-8311F95B6F9F}"/>
+              </a:ext>
+            </a:extLst>
+          </p:cNvPr>
+          <p:cNvSpPr>
+            <a:spLocks noGrp="1"/>
+          </p:cNvSpPr>
+          <p:nvPr>
+            <p:ph idx="1"/>
+          </p:nvPr>
+        </p:nvSpPr>
+        <p:spPr>
+          <a:xfrm>
+            <a:off x="152400" y="758031"/>
+            <a:ext cx="11506200" cy="4351338"/>
+          </a:xfrm>
+        </p:spPr>
+        <p:txBody>
+          <a:bodyPr>
+            <a:normAutofit/>
+          </a:bodyPr>
+          <a:lstStyle/>
+          <a:p>
+            <a:pPr marL="0" indent="0">
+              <a:buNone/>
+            </a:pPr>
+            <a:endParaRPr lang="en-GB" dirty="0">
+              <a:solidFill>
+                <a:srgbClr val="0070C0"/>
+              </a:solidFill>
+            </a:endParaRPr>
+          </a:p>
+          <a:p>
+            <a:pPr marL="0" indent="0">
+              <a:buNone/>
+            </a:pPr>
+            <a:r>
+              <a:rPr lang="en-GB" dirty="0" err="1">
+                <a:solidFill>
+                  <a:srgbClr val="0070C0"/>
+                </a:solidFill>
+              </a:rPr>
+              <a:t>conda</a:t>
+            </a:r>
+            <a:r>
+              <a:rPr lang="en-GB" dirty="0">
+                <a:solidFill>
+                  <a:srgbClr val="0070C0"/>
+                </a:solidFill>
+              </a:rPr>
+              <a:t> activate trinity     </a:t>
+            </a:r>
+            <a:r>
+              <a:rPr lang="en-GB" dirty="0"/>
+              <a:t>(you have to activate it to use it)</a:t>
+            </a:r>
+          </a:p>
+          <a:p>
+            <a:pPr marL="0" indent="0">
+              <a:buNone/>
+            </a:pPr>
+            <a:endParaRPr lang="en-GB" dirty="0"/>
+          </a:p>
+          <a:p>
+            <a:pPr marL="0" indent="0">
+              <a:buNone/>
+            </a:pPr>
+            <a:endParaRPr lang="en-GB" dirty="0">
+              <a:solidFill>
+                <a:srgbClr val="0070C0"/>
+              </a:solidFill>
+            </a:endParaRPr>
+          </a:p>
+          <a:p>
+            <a:pPr marL="0" indent="0">
+              <a:buNone/>
+            </a:pPr>
+            <a:r>
+              <a:rPr lang="en-GB" dirty="0"/>
+              <a:t>Name of </a:t>
+            </a:r>
+            <a:r>
+              <a:rPr lang="en-GB" dirty="0" err="1"/>
+              <a:t>env</a:t>
+            </a:r>
+            <a:endParaRPr lang="en-GB" dirty="0"/>
+          </a:p>
+          <a:p>
+            <a:pPr marL="0" indent="0">
+              <a:buNone/>
+            </a:pPr>
+            <a:endParaRPr lang="en-GB" dirty="0">
+              <a:solidFill>
+                <a:srgbClr val="0070C0"/>
+              </a:solidFill>
+            </a:endParaRPr>
+          </a:p>
+          <a:p>
+            <a:endParaRPr lang="en-GB" dirty="0">
+              <a:solidFill>
+                <a:srgbClr val="0070C0"/>
+              </a:solidFill>
+            </a:endParaRPr>
+          </a:p>
+        </p:txBody>
+      </p:sp>
+      <p:pic>
+        <p:nvPicPr>
+          <p:cNvPr id="4" name="Picture 3">
+            <a:extLst>
+              <a:ext uri="{FF2B5EF4-FFF2-40B4-BE49-F238E27FC236}">
+                <a16:creationId xmlns:a16="http://schemas.microsoft.com/office/drawing/2014/main" id="{92B58DEE-428B-4524-9A99-56C6F7ECD658}"/>
+              </a:ext>
+            </a:extLst>
+          </p:cNvPr>
+          <p:cNvPicPr>
+            <a:picLocks noChangeAspect="1"/>
+          </p:cNvPicPr>
+          <p:nvPr/>
+        </p:nvPicPr>
+        <p:blipFill rotWithShape="1">
+          <a:blip r:embed="rId2">
+            <a:extLst>
+              <a:ext uri="{28A0092B-C50C-407E-A947-70E740481C1C}">
+                <a14:useLocalDpi xmlns:a14="http://schemas.microsoft.com/office/drawing/2010/main" val="0"/>
+              </a:ext>
+            </a:extLst>
+          </a:blip>
+          <a:srcRect/>
+          <a:stretch/>
+        </p:blipFill>
+        <p:spPr>
+          <a:xfrm>
+            <a:off x="2209800" y="1760513"/>
+            <a:ext cx="8128000" cy="5008587"/>
+          </a:xfrm>
+          <a:prstGeom prst="rect">
+            <a:avLst/>
+          </a:prstGeom>
+        </p:spPr>
+      </p:pic>
+      <p:cxnSp>
+        <p:nvCxnSpPr>
+          <p:cNvPr id="6" name="Straight Arrow Connector 5">
+            <a:extLst>
+              <a:ext uri="{FF2B5EF4-FFF2-40B4-BE49-F238E27FC236}">
+                <a16:creationId xmlns:a16="http://schemas.microsoft.com/office/drawing/2014/main" id="{178E06DB-54B0-46A3-8CFC-39CAAD99C7BE}"/>
+              </a:ext>
+            </a:extLst>
+          </p:cNvPr>
+          <p:cNvCxnSpPr>
+            <a:cxnSpLocks/>
+          </p:cNvCxnSpPr>
+          <p:nvPr/>
+        </p:nvCxnSpPr>
+        <p:spPr>
+          <a:xfrm flipV="1">
+            <a:off x="1143000" y="2479278"/>
+            <a:ext cx="965200" cy="419100"/>
+          </a:xfrm>
+          <a:prstGeom prst="straightConnector1">
+            <a:avLst/>
+          </a:prstGeom>
+          <a:ln>
+            <a:tailEnd type="triangle"/>
+          </a:ln>
+        </p:spPr>
+        <p:style>
+          <a:lnRef idx="3">
+            <a:schemeClr val="accent1"/>
+          </a:lnRef>
+          <a:fillRef idx="0">
+            <a:schemeClr val="accent1"/>
+          </a:fillRef>
+          <a:effectRef idx="2">
+            <a:schemeClr val="accent1"/>
+          </a:effectRef>
+          <a:fontRef idx="minor">
+            <a:schemeClr val="tx1"/>
+          </a:fontRef>
+        </p:style>
+      </p:cxnSp>
+    </p:spTree>
+    <p:extLst>
+      <p:ext uri="{BB962C8B-B14F-4D97-AF65-F5344CB8AC3E}">
+        <p14:creationId xmlns:p14="http://schemas.microsoft.com/office/powerpoint/2010/main" val="1326123334"/>
       </p:ext>
     </p:extLst>
   </p:cSld>
